--- a/PPT Bogi/Resources/Main.pptx
+++ b/PPT Bogi/Resources/Main.pptx
@@ -104,6 +104,11 @@
       </a:defRPr>
     </a:lvl9pPr>
   </p:defaultTextStyle>
+  <p:extLst>
+    <p:ext uri="{EFAFB233-063F-42B5-8137-9DF3F51BA10A}">
+      <p15:sldGuideLst xmlns:p15="http://schemas.microsoft.com/office/powerpoint/2012/main"/>
+    </p:ext>
+  </p:extLst>
 </p:presentation>
 </file>
 
@@ -256,7 +261,7 @@
           <a:p>
             <a:fld id="{DE869A9A-AA01-43C6-8A29-2ADC0A96E000}" type="datetimeFigureOut">
               <a:rPr lang="de-AT" smtClean="0"/>
-              <a:t>13.03.2023</a:t>
+              <a:t>20.03.2023</a:t>
             </a:fld>
             <a:endParaRPr lang="de-AT"/>
           </a:p>
@@ -456,7 +461,7 @@
           <a:p>
             <a:fld id="{DE869A9A-AA01-43C6-8A29-2ADC0A96E000}" type="datetimeFigureOut">
               <a:rPr lang="de-AT" smtClean="0"/>
-              <a:t>13.03.2023</a:t>
+              <a:t>20.03.2023</a:t>
             </a:fld>
             <a:endParaRPr lang="de-AT"/>
           </a:p>
@@ -666,7 +671,7 @@
           <a:p>
             <a:fld id="{DE869A9A-AA01-43C6-8A29-2ADC0A96E000}" type="datetimeFigureOut">
               <a:rPr lang="de-AT" smtClean="0"/>
-              <a:t>13.03.2023</a:t>
+              <a:t>20.03.2023</a:t>
             </a:fld>
             <a:endParaRPr lang="de-AT"/>
           </a:p>
@@ -866,7 +871,7 @@
           <a:p>
             <a:fld id="{DE869A9A-AA01-43C6-8A29-2ADC0A96E000}" type="datetimeFigureOut">
               <a:rPr lang="de-AT" smtClean="0"/>
-              <a:t>13.03.2023</a:t>
+              <a:t>20.03.2023</a:t>
             </a:fld>
             <a:endParaRPr lang="de-AT"/>
           </a:p>
@@ -1142,7 +1147,7 @@
           <a:p>
             <a:fld id="{DE869A9A-AA01-43C6-8A29-2ADC0A96E000}" type="datetimeFigureOut">
               <a:rPr lang="de-AT" smtClean="0"/>
-              <a:t>13.03.2023</a:t>
+              <a:t>20.03.2023</a:t>
             </a:fld>
             <a:endParaRPr lang="de-AT"/>
           </a:p>
@@ -1410,7 +1415,7 @@
           <a:p>
             <a:fld id="{DE869A9A-AA01-43C6-8A29-2ADC0A96E000}" type="datetimeFigureOut">
               <a:rPr lang="de-AT" smtClean="0"/>
-              <a:t>13.03.2023</a:t>
+              <a:t>20.03.2023</a:t>
             </a:fld>
             <a:endParaRPr lang="de-AT"/>
           </a:p>
@@ -1825,7 +1830,7 @@
           <a:p>
             <a:fld id="{DE869A9A-AA01-43C6-8A29-2ADC0A96E000}" type="datetimeFigureOut">
               <a:rPr lang="de-AT" smtClean="0"/>
-              <a:t>13.03.2023</a:t>
+              <a:t>20.03.2023</a:t>
             </a:fld>
             <a:endParaRPr lang="de-AT"/>
           </a:p>
@@ -1967,7 +1972,7 @@
           <a:p>
             <a:fld id="{DE869A9A-AA01-43C6-8A29-2ADC0A96E000}" type="datetimeFigureOut">
               <a:rPr lang="de-AT" smtClean="0"/>
-              <a:t>13.03.2023</a:t>
+              <a:t>20.03.2023</a:t>
             </a:fld>
             <a:endParaRPr lang="de-AT"/>
           </a:p>
@@ -2080,7 +2085,7 @@
           <a:p>
             <a:fld id="{DE869A9A-AA01-43C6-8A29-2ADC0A96E000}" type="datetimeFigureOut">
               <a:rPr lang="de-AT" smtClean="0"/>
-              <a:t>13.03.2023</a:t>
+              <a:t>20.03.2023</a:t>
             </a:fld>
             <a:endParaRPr lang="de-AT"/>
           </a:p>
@@ -2393,7 +2398,7 @@
           <a:p>
             <a:fld id="{DE869A9A-AA01-43C6-8A29-2ADC0A96E000}" type="datetimeFigureOut">
               <a:rPr lang="de-AT" smtClean="0"/>
-              <a:t>13.03.2023</a:t>
+              <a:t>20.03.2023</a:t>
             </a:fld>
             <a:endParaRPr lang="de-AT"/>
           </a:p>
@@ -2682,7 +2687,7 @@
           <a:p>
             <a:fld id="{DE869A9A-AA01-43C6-8A29-2ADC0A96E000}" type="datetimeFigureOut">
               <a:rPr lang="de-AT" smtClean="0"/>
-              <a:t>13.03.2023</a:t>
+              <a:t>20.03.2023</a:t>
             </a:fld>
             <a:endParaRPr lang="de-AT"/>
           </a:p>
@@ -2925,7 +2930,7 @@
           <a:p>
             <a:fld id="{DE869A9A-AA01-43C6-8A29-2ADC0A96E000}" type="datetimeFigureOut">
               <a:rPr lang="de-AT" smtClean="0"/>
-              <a:t>13.03.2023</a:t>
+              <a:t>20.03.2023</a:t>
             </a:fld>
             <a:endParaRPr lang="de-AT"/>
           </a:p>
@@ -3342,56 +3347,6 @@
           <a:chExt cx="0" cy="0"/>
         </a:xfrm>
       </p:grpSpPr>
-      <p:sp>
-        <p:nvSpPr>
-          <p:cNvPr id="2" name="Titel 1">
-            <a:extLst>
-              <a:ext uri="{FF2B5EF4-FFF2-40B4-BE49-F238E27FC236}">
-                <a16:creationId xmlns:a16="http://schemas.microsoft.com/office/drawing/2014/main" id="{4C8897E6-9635-404B-803E-14391B705D04}"/>
-              </a:ext>
-            </a:extLst>
-          </p:cNvPr>
-          <p:cNvSpPr>
-            <a:spLocks noGrp="1"/>
-          </p:cNvSpPr>
-          <p:nvPr>
-            <p:ph type="ctrTitle"/>
-          </p:nvPr>
-        </p:nvSpPr>
-        <p:spPr/>
-        <p:txBody>
-          <a:bodyPr/>
-          <a:lstStyle/>
-          <a:p>
-            <a:endParaRPr lang="de-DE" dirty="0"/>
-          </a:p>
-        </p:txBody>
-      </p:sp>
-      <p:sp>
-        <p:nvSpPr>
-          <p:cNvPr id="3" name="Untertitel 2">
-            <a:extLst>
-              <a:ext uri="{FF2B5EF4-FFF2-40B4-BE49-F238E27FC236}">
-                <a16:creationId xmlns:a16="http://schemas.microsoft.com/office/drawing/2014/main" id="{12505A6B-3DB0-4B7C-A836-A3B82972BDC8}"/>
-              </a:ext>
-            </a:extLst>
-          </p:cNvPr>
-          <p:cNvSpPr>
-            <a:spLocks noGrp="1"/>
-          </p:cNvSpPr>
-          <p:nvPr>
-            <p:ph type="subTitle" idx="1"/>
-          </p:nvPr>
-        </p:nvSpPr>
-        <p:spPr/>
-        <p:txBody>
-          <a:bodyPr/>
-          <a:lstStyle/>
-          <a:p>
-            <a:endParaRPr lang="de-DE"/>
-          </a:p>
-        </p:txBody>
-      </p:sp>
       <p:pic>
         <p:nvPicPr>
           <p:cNvPr id="5" name="Grafik 4">
@@ -3443,7 +3398,7 @@
         <p:spPr>
           <a:xfrm>
             <a:off x="7686675" y="2087675"/>
-            <a:ext cx="4324350" cy="3077766"/>
+            <a:ext cx="4324350" cy="2800767"/>
           </a:xfrm>
           <a:prstGeom prst="rect">
             <a:avLst/>
@@ -3478,7 +3433,7 @@
                   <a:srgbClr val="FF99FF"/>
                 </a:solidFill>
               </a:rPr>
-              <a:t>					</a:t>
+              <a:t>		</a:t>
             </a:r>
             <a:r>
               <a:rPr lang="de-DE" sz="2400" b="1" dirty="0">
@@ -3486,12 +3441,21 @@
                   <a:srgbClr val="FF99FF"/>
                 </a:solidFill>
               </a:rPr>
-              <a:t>1. Kor. 16,14</a:t>
-            </a:r>
-          </a:p>
-          <a:p>
-            <a:pPr algn="ctr"/>
-            <a:endParaRPr lang="de-DE" dirty="0"/>
+              <a:t>1. Kor. </a:t>
+            </a:r>
+            <a:r>
+              <a:rPr lang="de-DE" sz="2400" b="1">
+                <a:solidFill>
+                  <a:srgbClr val="FF99FF"/>
+                </a:solidFill>
+              </a:rPr>
+              <a:t>16,14</a:t>
+            </a:r>
+            <a:endParaRPr lang="de-DE" sz="2400" b="1" dirty="0">
+              <a:solidFill>
+                <a:srgbClr val="FF99FF"/>
+              </a:solidFill>
+            </a:endParaRPr>
           </a:p>
         </p:txBody>
       </p:sp>
